--- a/Spataro_Emanuele_Fisica_Relativistica.pptx
+++ b/Spataro_Emanuele_Fisica_Relativistica.pptx
@@ -4385,7 +4385,7 @@
           <a:p>
             <a:r>
               <a:rPr lang="it-IT" dirty="0"/>
-              <a:t>orale</a:t>
+              <a:t>Spataro Emanuele</a:t>
             </a:r>
           </a:p>
         </p:txBody>
